--- a/13.maintainingSetContainers.pptx
+++ b/13.maintainingSetContainers.pptx
@@ -11,6 +11,11 @@
     <p:sldId id="263" r:id="rId5"/>
     <p:sldId id="264" r:id="rId6"/>
     <p:sldId id="265" r:id="rId7"/>
+    <p:sldId id="266" r:id="rId8"/>
+    <p:sldId id="267" r:id="rId9"/>
+    <p:sldId id="268" r:id="rId10"/>
+    <p:sldId id="269" r:id="rId11"/>
+    <p:sldId id="270" r:id="rId12"/>
   </p:sldIdLst>
   <p:sldSz cx="12192000" cy="6858000"/>
   <p:notesSz cx="6858000" cy="9144000"/>
@@ -3461,6 +3466,220 @@
 </p:sld>
 </file>
 
+<file path=ppt/slides/slide10.xml><?xml version="1.0" encoding="utf-8"?>
+<p:sld xmlns:a="http://schemas.openxmlformats.org/drawingml/2006/main" xmlns:r="http://schemas.openxmlformats.org/officeDocument/2006/relationships" xmlns:p="http://schemas.openxmlformats.org/presentationml/2006/main">
+  <p:cSld>
+    <p:spTree>
+      <p:nvGrpSpPr>
+        <p:cNvPr id="1" name=""/>
+        <p:cNvGrpSpPr/>
+        <p:nvPr/>
+      </p:nvGrpSpPr>
+      <p:grpSpPr>
+        <a:xfrm>
+          <a:off x="0" y="0"/>
+          <a:ext cx="0" cy="0"/>
+          <a:chOff x="0" y="0"/>
+          <a:chExt cx="0" cy="0"/>
+        </a:xfrm>
+      </p:grpSpPr>
+      <p:pic>
+        <p:nvPicPr>
+          <p:cNvPr id="5" name="Picture 4">
+            <a:extLst>
+              <a:ext uri="{FF2B5EF4-FFF2-40B4-BE49-F238E27FC236}">
+                <a16:creationId xmlns:a16="http://schemas.microsoft.com/office/drawing/2014/main" id="{9672B68E-BF1E-D1D6-BD9D-6D9E12E91C34}"/>
+              </a:ext>
+            </a:extLst>
+          </p:cNvPr>
+          <p:cNvPicPr>
+            <a:picLocks noChangeAspect="1"/>
+          </p:cNvPicPr>
+          <p:nvPr/>
+        </p:nvPicPr>
+        <p:blipFill>
+          <a:blip r:embed="rId2"/>
+          <a:stretch>
+            <a:fillRect/>
+          </a:stretch>
+        </p:blipFill>
+        <p:spPr>
+          <a:xfrm>
+            <a:off x="290371" y="203111"/>
+            <a:ext cx="5950923" cy="3911689"/>
+          </a:xfrm>
+          <a:prstGeom prst="rect">
+            <a:avLst/>
+          </a:prstGeom>
+        </p:spPr>
+      </p:pic>
+      <p:pic>
+        <p:nvPicPr>
+          <p:cNvPr id="7" name="Picture 6">
+            <a:extLst>
+              <a:ext uri="{FF2B5EF4-FFF2-40B4-BE49-F238E27FC236}">
+                <a16:creationId xmlns:a16="http://schemas.microsoft.com/office/drawing/2014/main" id="{2A8D8B38-1128-A1BA-F0EF-CB1D713B13B7}"/>
+              </a:ext>
+            </a:extLst>
+          </p:cNvPr>
+          <p:cNvPicPr>
+            <a:picLocks noChangeAspect="1"/>
+          </p:cNvPicPr>
+          <p:nvPr/>
+        </p:nvPicPr>
+        <p:blipFill>
+          <a:blip r:embed="rId3"/>
+          <a:stretch>
+            <a:fillRect/>
+          </a:stretch>
+        </p:blipFill>
+        <p:spPr>
+          <a:xfrm>
+            <a:off x="6859762" y="323321"/>
+            <a:ext cx="2038635" cy="3791479"/>
+          </a:xfrm>
+          <a:prstGeom prst="rect">
+            <a:avLst/>
+          </a:prstGeom>
+        </p:spPr>
+      </p:pic>
+      <p:pic>
+        <p:nvPicPr>
+          <p:cNvPr id="9" name="Picture 8">
+            <a:extLst>
+              <a:ext uri="{FF2B5EF4-FFF2-40B4-BE49-F238E27FC236}">
+                <a16:creationId xmlns:a16="http://schemas.microsoft.com/office/drawing/2014/main" id="{2C3D3FD7-2272-5DF5-5B54-669A96FCBB6A}"/>
+              </a:ext>
+            </a:extLst>
+          </p:cNvPr>
+          <p:cNvPicPr>
+            <a:picLocks noChangeAspect="1"/>
+          </p:cNvPicPr>
+          <p:nvPr/>
+        </p:nvPicPr>
+        <p:blipFill>
+          <a:blip r:embed="rId4"/>
+          <a:stretch>
+            <a:fillRect/>
+          </a:stretch>
+        </p:blipFill>
+        <p:spPr>
+          <a:xfrm>
+            <a:off x="420624" y="4661281"/>
+            <a:ext cx="6121855" cy="1873398"/>
+          </a:xfrm>
+          <a:prstGeom prst="rect">
+            <a:avLst/>
+          </a:prstGeom>
+        </p:spPr>
+      </p:pic>
+      <p:pic>
+        <p:nvPicPr>
+          <p:cNvPr id="11" name="Picture 10">
+            <a:extLst>
+              <a:ext uri="{FF2B5EF4-FFF2-40B4-BE49-F238E27FC236}">
+                <a16:creationId xmlns:a16="http://schemas.microsoft.com/office/drawing/2014/main" id="{068713E9-6E0E-6CE8-7084-8D49ECE6B9D2}"/>
+              </a:ext>
+            </a:extLst>
+          </p:cNvPr>
+          <p:cNvPicPr>
+            <a:picLocks noChangeAspect="1"/>
+          </p:cNvPicPr>
+          <p:nvPr/>
+        </p:nvPicPr>
+        <p:blipFill>
+          <a:blip r:embed="rId5"/>
+          <a:stretch>
+            <a:fillRect/>
+          </a:stretch>
+        </p:blipFill>
+        <p:spPr>
+          <a:xfrm>
+            <a:off x="6859762" y="5140716"/>
+            <a:ext cx="1886213" cy="914528"/>
+          </a:xfrm>
+          <a:prstGeom prst="rect">
+            <a:avLst/>
+          </a:prstGeom>
+        </p:spPr>
+      </p:pic>
+    </p:spTree>
+    <p:extLst>
+      <p:ext uri="{BB962C8B-B14F-4D97-AF65-F5344CB8AC3E}">
+        <p14:creationId xmlns:p14="http://schemas.microsoft.com/office/powerpoint/2010/main" val="4257303304"/>
+      </p:ext>
+    </p:extLst>
+  </p:cSld>
+  <p:clrMapOvr>
+    <a:masterClrMapping/>
+  </p:clrMapOvr>
+</p:sld>
+</file>
+
+<file path=ppt/slides/slide11.xml><?xml version="1.0" encoding="utf-8"?>
+<p:sld xmlns:a="http://schemas.openxmlformats.org/drawingml/2006/main" xmlns:r="http://schemas.openxmlformats.org/officeDocument/2006/relationships" xmlns:p="http://schemas.openxmlformats.org/presentationml/2006/main">
+  <p:cSld>
+    <p:spTree>
+      <p:nvGrpSpPr>
+        <p:cNvPr id="1" name=""/>
+        <p:cNvGrpSpPr/>
+        <p:nvPr/>
+      </p:nvGrpSpPr>
+      <p:grpSpPr>
+        <a:xfrm>
+          <a:off x="0" y="0"/>
+          <a:ext cx="0" cy="0"/>
+          <a:chOff x="0" y="0"/>
+          <a:chExt cx="0" cy="0"/>
+        </a:xfrm>
+      </p:grpSpPr>
+      <p:sp>
+        <p:nvSpPr>
+          <p:cNvPr id="2" name="Title 1">
+            <a:extLst>
+              <a:ext uri="{FF2B5EF4-FFF2-40B4-BE49-F238E27FC236}">
+                <a16:creationId xmlns:a16="http://schemas.microsoft.com/office/drawing/2014/main" id="{FC7CA1BC-563E-317F-3C9E-0AD8FF09DF6D}"/>
+              </a:ext>
+            </a:extLst>
+          </p:cNvPr>
+          <p:cNvSpPr>
+            <a:spLocks noGrp="1"/>
+          </p:cNvSpPr>
+          <p:nvPr>
+            <p:ph type="title"/>
+          </p:nvPr>
+        </p:nvSpPr>
+        <p:spPr>
+          <a:xfrm>
+            <a:off x="472440" y="255397"/>
+            <a:ext cx="7098792" cy="878459"/>
+          </a:xfrm>
+        </p:spPr>
+        <p:txBody>
+          <a:bodyPr/>
+          <a:lstStyle/>
+          <a:p>
+            <a:r>
+              <a:rPr lang="en-US"/>
+              <a:t>Scaling Deployments</a:t>
+            </a:r>
+            <a:endParaRPr lang="es-ES"/>
+          </a:p>
+        </p:txBody>
+      </p:sp>
+    </p:spTree>
+    <p:extLst>
+      <p:ext uri="{BB962C8B-B14F-4D97-AF65-F5344CB8AC3E}">
+        <p14:creationId xmlns:p14="http://schemas.microsoft.com/office/powerpoint/2010/main" val="1585887089"/>
+      </p:ext>
+    </p:extLst>
+  </p:cSld>
+  <p:clrMapOvr>
+    <a:masterClrMapping/>
+  </p:clrMapOvr>
+</p:sld>
+</file>
+
 <file path=ppt/slides/slide2.xml><?xml version="1.0" encoding="utf-8"?>
 <p:sld xmlns:a="http://schemas.openxmlformats.org/drawingml/2006/main" xmlns:r="http://schemas.openxmlformats.org/officeDocument/2006/relationships" xmlns:p="http://schemas.openxmlformats.org/presentationml/2006/main">
   <p:cSld>
@@ -4264,6 +4483,1174 @@
     <p:extLst>
       <p:ext uri="{BB962C8B-B14F-4D97-AF65-F5344CB8AC3E}">
         <p14:creationId xmlns:p14="http://schemas.microsoft.com/office/powerpoint/2010/main" val="2288742774"/>
+      </p:ext>
+    </p:extLst>
+  </p:cSld>
+  <p:clrMapOvr>
+    <a:masterClrMapping/>
+  </p:clrMapOvr>
+</p:sld>
+</file>
+
+<file path=ppt/slides/slide7.xml><?xml version="1.0" encoding="utf-8"?>
+<p:sld xmlns:a="http://schemas.openxmlformats.org/drawingml/2006/main" xmlns:r="http://schemas.openxmlformats.org/officeDocument/2006/relationships" xmlns:p="http://schemas.openxmlformats.org/presentationml/2006/main">
+  <p:cSld>
+    <p:spTree>
+      <p:nvGrpSpPr>
+        <p:cNvPr id="1" name=""/>
+        <p:cNvGrpSpPr/>
+        <p:nvPr/>
+      </p:nvGrpSpPr>
+      <p:grpSpPr>
+        <a:xfrm>
+          <a:off x="0" y="0"/>
+          <a:ext cx="0" cy="0"/>
+          <a:chOff x="0" y="0"/>
+          <a:chExt cx="0" cy="0"/>
+        </a:xfrm>
+      </p:grpSpPr>
+      <p:sp>
+        <p:nvSpPr>
+          <p:cNvPr id="2" name="Title 1">
+            <a:extLst>
+              <a:ext uri="{FF2B5EF4-FFF2-40B4-BE49-F238E27FC236}">
+                <a16:creationId xmlns:a16="http://schemas.microsoft.com/office/drawing/2014/main" id="{34CD420E-040F-C026-2126-134085E61D26}"/>
+              </a:ext>
+            </a:extLst>
+          </p:cNvPr>
+          <p:cNvSpPr>
+            <a:spLocks noGrp="1"/>
+          </p:cNvSpPr>
+          <p:nvPr>
+            <p:ph type="title"/>
+          </p:nvPr>
+        </p:nvSpPr>
+        <p:spPr>
+          <a:xfrm>
+            <a:off x="179832" y="53464"/>
+            <a:ext cx="3596640" cy="1325563"/>
+          </a:xfrm>
+        </p:spPr>
+        <p:txBody>
+          <a:bodyPr/>
+          <a:lstStyle/>
+          <a:p>
+            <a:r>
+              <a:rPr lang="es-ES"/>
+              <a:t>Deployment</a:t>
+            </a:r>
+          </a:p>
+        </p:txBody>
+      </p:sp>
+      <p:pic>
+        <p:nvPicPr>
+          <p:cNvPr id="5" name="Picture 4">
+            <a:extLst>
+              <a:ext uri="{FF2B5EF4-FFF2-40B4-BE49-F238E27FC236}">
+                <a16:creationId xmlns:a16="http://schemas.microsoft.com/office/drawing/2014/main" id="{3FCD1D7C-06A0-6E01-23FD-2A974F714A4B}"/>
+              </a:ext>
+            </a:extLst>
+          </p:cNvPr>
+          <p:cNvPicPr>
+            <a:picLocks noChangeAspect="1"/>
+          </p:cNvPicPr>
+          <p:nvPr/>
+        </p:nvPicPr>
+        <p:blipFill>
+          <a:blip r:embed="rId2"/>
+          <a:stretch>
+            <a:fillRect/>
+          </a:stretch>
+        </p:blipFill>
+        <p:spPr>
+          <a:xfrm>
+            <a:off x="585479" y="1576387"/>
+            <a:ext cx="4410691" cy="3972479"/>
+          </a:xfrm>
+          <a:prstGeom prst="rect">
+            <a:avLst/>
+          </a:prstGeom>
+        </p:spPr>
+      </p:pic>
+      <p:sp>
+        <p:nvSpPr>
+          <p:cNvPr id="6" name="Rectangle 5">
+            <a:extLst>
+              <a:ext uri="{FF2B5EF4-FFF2-40B4-BE49-F238E27FC236}">
+                <a16:creationId xmlns:a16="http://schemas.microsoft.com/office/drawing/2014/main" id="{5F416BA9-4F0B-18C0-D370-B9BDC6E9BDBF}"/>
+              </a:ext>
+            </a:extLst>
+          </p:cNvPr>
+          <p:cNvSpPr/>
+          <p:nvPr/>
+        </p:nvSpPr>
+        <p:spPr>
+          <a:xfrm>
+            <a:off x="736092" y="3514725"/>
+            <a:ext cx="3512058" cy="2034141"/>
+          </a:xfrm>
+          <a:prstGeom prst="rect">
+            <a:avLst/>
+          </a:prstGeom>
+          <a:noFill/>
+          <a:ln>
+            <a:solidFill>
+              <a:srgbClr val="FF0000"/>
+            </a:solidFill>
+          </a:ln>
+        </p:spPr>
+        <p:style>
+          <a:lnRef idx="2">
+            <a:schemeClr val="accent1">
+              <a:shade val="15000"/>
+            </a:schemeClr>
+          </a:lnRef>
+          <a:fillRef idx="1">
+            <a:schemeClr val="accent1"/>
+          </a:fillRef>
+          <a:effectRef idx="0">
+            <a:schemeClr val="accent1"/>
+          </a:effectRef>
+          <a:fontRef idx="minor">
+            <a:schemeClr val="lt1"/>
+          </a:fontRef>
+        </p:style>
+        <p:txBody>
+          <a:bodyPr rtlCol="0" anchor="ctr"/>
+          <a:lstStyle/>
+          <a:p>
+            <a:pPr algn="ctr"/>
+            <a:endParaRPr lang="es-ES"/>
+          </a:p>
+        </p:txBody>
+      </p:sp>
+      <p:sp>
+        <p:nvSpPr>
+          <p:cNvPr id="7" name="TextBox 6">
+            <a:extLst>
+              <a:ext uri="{FF2B5EF4-FFF2-40B4-BE49-F238E27FC236}">
+                <a16:creationId xmlns:a16="http://schemas.microsoft.com/office/drawing/2014/main" id="{AF09366D-8256-C708-BB42-94B852A95990}"/>
+              </a:ext>
+            </a:extLst>
+          </p:cNvPr>
+          <p:cNvSpPr txBox="1"/>
+          <p:nvPr/>
+        </p:nvSpPr>
+        <p:spPr>
+          <a:xfrm>
+            <a:off x="2483857" y="3762756"/>
+            <a:ext cx="1764293" cy="923330"/>
+          </a:xfrm>
+          <a:prstGeom prst="rect">
+            <a:avLst/>
+          </a:prstGeom>
+          <a:noFill/>
+        </p:spPr>
+        <p:txBody>
+          <a:bodyPr wrap="square" rtlCol="0">
+            <a:spAutoFit/>
+          </a:bodyPr>
+          <a:lstStyle/>
+          <a:p>
+            <a:pPr algn="just"/>
+            <a:r>
+              <a:rPr lang="es-ES" sz="1200" b="1"/>
+              <a:t>Configuration for  every single pod created by this deployment</a:t>
+            </a:r>
+            <a:r>
+              <a:rPr lang="es-ES"/>
+              <a:t>	</a:t>
+            </a:r>
+          </a:p>
+        </p:txBody>
+      </p:sp>
+      <p:cxnSp>
+        <p:nvCxnSpPr>
+          <p:cNvPr id="9" name="Straight Arrow Connector 8">
+            <a:extLst>
+              <a:ext uri="{FF2B5EF4-FFF2-40B4-BE49-F238E27FC236}">
+                <a16:creationId xmlns:a16="http://schemas.microsoft.com/office/drawing/2014/main" id="{72B58DA1-57BE-204A-3D1D-AA1F593168FD}"/>
+              </a:ext>
+            </a:extLst>
+          </p:cNvPr>
+          <p:cNvCxnSpPr>
+            <a:cxnSpLocks/>
+          </p:cNvCxnSpPr>
+          <p:nvPr/>
+        </p:nvCxnSpPr>
+        <p:spPr>
+          <a:xfrm flipV="1">
+            <a:off x="1929384" y="2697480"/>
+            <a:ext cx="2121408" cy="64008"/>
+          </a:xfrm>
+          <a:prstGeom prst="straightConnector1">
+            <a:avLst/>
+          </a:prstGeom>
+          <a:ln>
+            <a:tailEnd type="triangle"/>
+          </a:ln>
+        </p:spPr>
+        <p:style>
+          <a:lnRef idx="2">
+            <a:schemeClr val="accent1"/>
+          </a:lnRef>
+          <a:fillRef idx="0">
+            <a:schemeClr val="accent1"/>
+          </a:fillRef>
+          <a:effectRef idx="1">
+            <a:schemeClr val="accent1"/>
+          </a:effectRef>
+          <a:fontRef idx="minor">
+            <a:schemeClr val="tx1"/>
+          </a:fontRef>
+        </p:style>
+      </p:cxnSp>
+      <p:sp>
+        <p:nvSpPr>
+          <p:cNvPr id="10" name="TextBox 9">
+            <a:extLst>
+              <a:ext uri="{FF2B5EF4-FFF2-40B4-BE49-F238E27FC236}">
+                <a16:creationId xmlns:a16="http://schemas.microsoft.com/office/drawing/2014/main" id="{864D7F30-B500-F986-5368-F14CE4B54D67}"/>
+              </a:ext>
+            </a:extLst>
+          </p:cNvPr>
+          <p:cNvSpPr txBox="1"/>
+          <p:nvPr/>
+        </p:nvSpPr>
+        <p:spPr>
+          <a:xfrm>
+            <a:off x="4114023" y="2421112"/>
+            <a:ext cx="1764293" cy="461665"/>
+          </a:xfrm>
+          <a:prstGeom prst="rect">
+            <a:avLst/>
+          </a:prstGeom>
+          <a:noFill/>
+        </p:spPr>
+        <p:txBody>
+          <a:bodyPr wrap="square" rtlCol="0">
+            <a:spAutoFit/>
+          </a:bodyPr>
+          <a:lstStyle/>
+          <a:p>
+            <a:pPr algn="just"/>
+            <a:r>
+              <a:rPr lang="es-ES" sz="1200" b="1"/>
+              <a:t>Number of identical pods</a:t>
+            </a:r>
+            <a:endParaRPr lang="es-ES"/>
+          </a:p>
+        </p:txBody>
+      </p:sp>
+      <p:pic>
+        <p:nvPicPr>
+          <p:cNvPr id="13" name="Picture 12">
+            <a:extLst>
+              <a:ext uri="{FF2B5EF4-FFF2-40B4-BE49-F238E27FC236}">
+                <a16:creationId xmlns:a16="http://schemas.microsoft.com/office/drawing/2014/main" id="{63AE7A55-A607-C9E6-287A-7DE1D44E4AE4}"/>
+              </a:ext>
+            </a:extLst>
+          </p:cNvPr>
+          <p:cNvPicPr>
+            <a:picLocks noChangeAspect="1"/>
+          </p:cNvPicPr>
+          <p:nvPr/>
+        </p:nvPicPr>
+        <p:blipFill>
+          <a:blip r:embed="rId3"/>
+          <a:stretch>
+            <a:fillRect/>
+          </a:stretch>
+        </p:blipFill>
+        <p:spPr>
+          <a:xfrm>
+            <a:off x="7068242" y="3121736"/>
+            <a:ext cx="3724795" cy="2553056"/>
+          </a:xfrm>
+          <a:prstGeom prst="rect">
+            <a:avLst/>
+          </a:prstGeom>
+        </p:spPr>
+      </p:pic>
+      <p:cxnSp>
+        <p:nvCxnSpPr>
+          <p:cNvPr id="14" name="Straight Arrow Connector 13">
+            <a:extLst>
+              <a:ext uri="{FF2B5EF4-FFF2-40B4-BE49-F238E27FC236}">
+                <a16:creationId xmlns:a16="http://schemas.microsoft.com/office/drawing/2014/main" id="{6BFEBF8B-56C5-6A79-E979-241E95BC52DB}"/>
+              </a:ext>
+            </a:extLst>
+          </p:cNvPr>
+          <p:cNvCxnSpPr>
+            <a:cxnSpLocks/>
+          </p:cNvCxnSpPr>
+          <p:nvPr/>
+        </p:nvCxnSpPr>
+        <p:spPr>
+          <a:xfrm>
+            <a:off x="4468368" y="4506780"/>
+            <a:ext cx="2275567" cy="0"/>
+          </a:xfrm>
+          <a:prstGeom prst="straightConnector1">
+            <a:avLst/>
+          </a:prstGeom>
+          <a:ln>
+            <a:tailEnd type="triangle"/>
+          </a:ln>
+        </p:spPr>
+        <p:style>
+          <a:lnRef idx="2">
+            <a:schemeClr val="accent1"/>
+          </a:lnRef>
+          <a:fillRef idx="0">
+            <a:schemeClr val="accent1"/>
+          </a:fillRef>
+          <a:effectRef idx="1">
+            <a:schemeClr val="accent1"/>
+          </a:effectRef>
+          <a:fontRef idx="minor">
+            <a:schemeClr val="tx1"/>
+          </a:fontRef>
+        </p:style>
+      </p:cxnSp>
+      <p:sp>
+        <p:nvSpPr>
+          <p:cNvPr id="16" name="TextBox 15">
+            <a:extLst>
+              <a:ext uri="{FF2B5EF4-FFF2-40B4-BE49-F238E27FC236}">
+                <a16:creationId xmlns:a16="http://schemas.microsoft.com/office/drawing/2014/main" id="{CB347587-ED46-E9EA-3BEA-77AB969A06DD}"/>
+              </a:ext>
+            </a:extLst>
+          </p:cNvPr>
+          <p:cNvSpPr txBox="1"/>
+          <p:nvPr/>
+        </p:nvSpPr>
+        <p:spPr>
+          <a:xfrm>
+            <a:off x="4979642" y="4586843"/>
+            <a:ext cx="1764293" cy="461665"/>
+          </a:xfrm>
+          <a:prstGeom prst="rect">
+            <a:avLst/>
+          </a:prstGeom>
+          <a:noFill/>
+        </p:spPr>
+        <p:txBody>
+          <a:bodyPr wrap="square" rtlCol="0">
+            <a:spAutoFit/>
+          </a:bodyPr>
+          <a:lstStyle/>
+          <a:p>
+            <a:pPr algn="just"/>
+            <a:r>
+              <a:rPr lang="es-ES" sz="1200" b="1"/>
+              <a:t>Similar to the pod config that we had</a:t>
+            </a:r>
+            <a:endParaRPr lang="es-ES"/>
+          </a:p>
+        </p:txBody>
+      </p:sp>
+      <p:pic>
+        <p:nvPicPr>
+          <p:cNvPr id="18" name="Picture 17">
+            <a:extLst>
+              <a:ext uri="{FF2B5EF4-FFF2-40B4-BE49-F238E27FC236}">
+                <a16:creationId xmlns:a16="http://schemas.microsoft.com/office/drawing/2014/main" id="{981F1550-0482-9B93-130A-E33F23CD30F1}"/>
+              </a:ext>
+            </a:extLst>
+          </p:cNvPr>
+          <p:cNvPicPr>
+            <a:picLocks noChangeAspect="1"/>
+          </p:cNvPicPr>
+          <p:nvPr/>
+        </p:nvPicPr>
+        <p:blipFill>
+          <a:blip r:embed="rId4"/>
+          <a:stretch>
+            <a:fillRect/>
+          </a:stretch>
+        </p:blipFill>
+        <p:spPr>
+          <a:xfrm>
+            <a:off x="6743935" y="647184"/>
+            <a:ext cx="5039226" cy="2031730"/>
+          </a:xfrm>
+          <a:prstGeom prst="rect">
+            <a:avLst/>
+          </a:prstGeom>
+        </p:spPr>
+      </p:pic>
+      <p:cxnSp>
+        <p:nvCxnSpPr>
+          <p:cNvPr id="19" name="Straight Arrow Connector 18">
+            <a:extLst>
+              <a:ext uri="{FF2B5EF4-FFF2-40B4-BE49-F238E27FC236}">
+                <a16:creationId xmlns:a16="http://schemas.microsoft.com/office/drawing/2014/main" id="{60CE15B6-C90F-CB25-982A-77563EE930E7}"/>
+              </a:ext>
+            </a:extLst>
+          </p:cNvPr>
+          <p:cNvCxnSpPr>
+            <a:cxnSpLocks/>
+          </p:cNvCxnSpPr>
+          <p:nvPr/>
+        </p:nvCxnSpPr>
+        <p:spPr>
+          <a:xfrm flipV="1">
+            <a:off x="2612136" y="2500120"/>
+            <a:ext cx="4131799" cy="843155"/>
+          </a:xfrm>
+          <a:prstGeom prst="straightConnector1">
+            <a:avLst/>
+          </a:prstGeom>
+          <a:ln>
+            <a:tailEnd type="triangle"/>
+          </a:ln>
+        </p:spPr>
+        <p:style>
+          <a:lnRef idx="2">
+            <a:schemeClr val="accent1"/>
+          </a:lnRef>
+          <a:fillRef idx="0">
+            <a:schemeClr val="accent1"/>
+          </a:fillRef>
+          <a:effectRef idx="1">
+            <a:schemeClr val="accent1"/>
+          </a:effectRef>
+          <a:fontRef idx="minor">
+            <a:schemeClr val="tx1"/>
+          </a:fontRef>
+        </p:style>
+      </p:cxnSp>
+      <p:cxnSp>
+        <p:nvCxnSpPr>
+          <p:cNvPr id="21" name="Straight Arrow Connector 20">
+            <a:extLst>
+              <a:ext uri="{FF2B5EF4-FFF2-40B4-BE49-F238E27FC236}">
+                <a16:creationId xmlns:a16="http://schemas.microsoft.com/office/drawing/2014/main" id="{9FB3B753-09D9-456B-F2C2-E88BD4A9F31B}"/>
+              </a:ext>
+            </a:extLst>
+          </p:cNvPr>
+          <p:cNvCxnSpPr>
+            <a:cxnSpLocks/>
+          </p:cNvCxnSpPr>
+          <p:nvPr/>
+        </p:nvCxnSpPr>
+        <p:spPr>
+          <a:xfrm flipV="1">
+            <a:off x="1978152" y="2570854"/>
+            <a:ext cx="4559808" cy="1554381"/>
+          </a:xfrm>
+          <a:prstGeom prst="straightConnector1">
+            <a:avLst/>
+          </a:prstGeom>
+          <a:ln>
+            <a:tailEnd type="triangle"/>
+          </a:ln>
+        </p:spPr>
+        <p:style>
+          <a:lnRef idx="2">
+            <a:schemeClr val="accent1"/>
+          </a:lnRef>
+          <a:fillRef idx="0">
+            <a:schemeClr val="accent1"/>
+          </a:fillRef>
+          <a:effectRef idx="1">
+            <a:schemeClr val="accent1"/>
+          </a:effectRef>
+          <a:fontRef idx="minor">
+            <a:schemeClr val="tx1"/>
+          </a:fontRef>
+        </p:style>
+      </p:cxnSp>
+    </p:spTree>
+    <p:extLst>
+      <p:ext uri="{BB962C8B-B14F-4D97-AF65-F5344CB8AC3E}">
+        <p14:creationId xmlns:p14="http://schemas.microsoft.com/office/powerpoint/2010/main" val="2652058408"/>
+      </p:ext>
+    </p:extLst>
+  </p:cSld>
+  <p:clrMapOvr>
+    <a:masterClrMapping/>
+  </p:clrMapOvr>
+</p:sld>
+</file>
+
+<file path=ppt/slides/slide8.xml><?xml version="1.0" encoding="utf-8"?>
+<p:sld xmlns:a="http://schemas.openxmlformats.org/drawingml/2006/main" xmlns:r="http://schemas.openxmlformats.org/officeDocument/2006/relationships" xmlns:p="http://schemas.openxmlformats.org/presentationml/2006/main">
+  <p:cSld>
+    <p:spTree>
+      <p:nvGrpSpPr>
+        <p:cNvPr id="1" name=""/>
+        <p:cNvGrpSpPr/>
+        <p:nvPr/>
+      </p:nvGrpSpPr>
+      <p:grpSpPr>
+        <a:xfrm>
+          <a:off x="0" y="0"/>
+          <a:ext cx="0" cy="0"/>
+          <a:chOff x="0" y="0"/>
+          <a:chExt cx="0" cy="0"/>
+        </a:xfrm>
+      </p:grpSpPr>
+      <p:pic>
+        <p:nvPicPr>
+          <p:cNvPr id="7" name="Picture 6">
+            <a:extLst>
+              <a:ext uri="{FF2B5EF4-FFF2-40B4-BE49-F238E27FC236}">
+                <a16:creationId xmlns:a16="http://schemas.microsoft.com/office/drawing/2014/main" id="{BF21966B-5C22-153A-AE6C-681396CF7CFD}"/>
+              </a:ext>
+            </a:extLst>
+          </p:cNvPr>
+          <p:cNvPicPr>
+            <a:picLocks noChangeAspect="1"/>
+          </p:cNvPicPr>
+          <p:nvPr/>
+        </p:nvPicPr>
+        <p:blipFill>
+          <a:blip r:embed="rId2"/>
+          <a:stretch>
+            <a:fillRect/>
+          </a:stretch>
+        </p:blipFill>
+        <p:spPr>
+          <a:xfrm>
+            <a:off x="635215" y="109728"/>
+            <a:ext cx="7530377" cy="1670942"/>
+          </a:xfrm>
+          <a:prstGeom prst="rect">
+            <a:avLst/>
+          </a:prstGeom>
+        </p:spPr>
+      </p:pic>
+      <p:pic>
+        <p:nvPicPr>
+          <p:cNvPr id="11" name="Picture 10">
+            <a:extLst>
+              <a:ext uri="{FF2B5EF4-FFF2-40B4-BE49-F238E27FC236}">
+                <a16:creationId xmlns:a16="http://schemas.microsoft.com/office/drawing/2014/main" id="{CB8DD2D7-92A5-3DB7-FDB5-4BEC37639755}"/>
+              </a:ext>
+            </a:extLst>
+          </p:cNvPr>
+          <p:cNvPicPr>
+            <a:picLocks noChangeAspect="1"/>
+          </p:cNvPicPr>
+          <p:nvPr/>
+        </p:nvPicPr>
+        <p:blipFill>
+          <a:blip r:embed="rId3"/>
+          <a:stretch>
+            <a:fillRect/>
+          </a:stretch>
+        </p:blipFill>
+        <p:spPr>
+          <a:xfrm>
+            <a:off x="635215" y="2363962"/>
+            <a:ext cx="7762450" cy="1538115"/>
+          </a:xfrm>
+          <a:prstGeom prst="rect">
+            <a:avLst/>
+          </a:prstGeom>
+        </p:spPr>
+      </p:pic>
+      <p:pic>
+        <p:nvPicPr>
+          <p:cNvPr id="13" name="Picture 12">
+            <a:extLst>
+              <a:ext uri="{FF2B5EF4-FFF2-40B4-BE49-F238E27FC236}">
+                <a16:creationId xmlns:a16="http://schemas.microsoft.com/office/drawing/2014/main" id="{D41E167B-E105-0718-C07D-2F198D5C7DC5}"/>
+              </a:ext>
+            </a:extLst>
+          </p:cNvPr>
+          <p:cNvPicPr>
+            <a:picLocks noChangeAspect="1"/>
+          </p:cNvPicPr>
+          <p:nvPr/>
+        </p:nvPicPr>
+        <p:blipFill>
+          <a:blip r:embed="rId4"/>
+          <a:stretch>
+            <a:fillRect/>
+          </a:stretch>
+        </p:blipFill>
+        <p:spPr>
+          <a:xfrm>
+            <a:off x="635215" y="4334192"/>
+            <a:ext cx="8636801" cy="757199"/>
+          </a:xfrm>
+          <a:prstGeom prst="rect">
+            <a:avLst/>
+          </a:prstGeom>
+        </p:spPr>
+      </p:pic>
+      <p:cxnSp>
+        <p:nvCxnSpPr>
+          <p:cNvPr id="15" name="Straight Arrow Connector 14">
+            <a:extLst>
+              <a:ext uri="{FF2B5EF4-FFF2-40B4-BE49-F238E27FC236}">
+                <a16:creationId xmlns:a16="http://schemas.microsoft.com/office/drawing/2014/main" id="{A0596B2F-F880-2AFA-361E-598D6007335A}"/>
+              </a:ext>
+            </a:extLst>
+          </p:cNvPr>
+          <p:cNvCxnSpPr/>
+          <p:nvPr/>
+        </p:nvCxnSpPr>
+        <p:spPr>
+          <a:xfrm>
+            <a:off x="3493008" y="5102352"/>
+            <a:ext cx="0" cy="768096"/>
+          </a:xfrm>
+          <a:prstGeom prst="straightConnector1">
+            <a:avLst/>
+          </a:prstGeom>
+          <a:ln>
+            <a:tailEnd type="triangle"/>
+          </a:ln>
+        </p:spPr>
+        <p:style>
+          <a:lnRef idx="2">
+            <a:schemeClr val="accent1"/>
+          </a:lnRef>
+          <a:fillRef idx="0">
+            <a:schemeClr val="accent1"/>
+          </a:fillRef>
+          <a:effectRef idx="1">
+            <a:schemeClr val="accent1"/>
+          </a:effectRef>
+          <a:fontRef idx="minor">
+            <a:schemeClr val="tx1"/>
+          </a:fontRef>
+        </p:style>
+      </p:cxnSp>
+      <p:sp>
+        <p:nvSpPr>
+          <p:cNvPr id="16" name="TextBox 15">
+            <a:extLst>
+              <a:ext uri="{FF2B5EF4-FFF2-40B4-BE49-F238E27FC236}">
+                <a16:creationId xmlns:a16="http://schemas.microsoft.com/office/drawing/2014/main" id="{ABC11F18-4290-31F9-7DFA-B140356297B8}"/>
+              </a:ext>
+            </a:extLst>
+          </p:cNvPr>
+          <p:cNvSpPr txBox="1"/>
+          <p:nvPr/>
+        </p:nvSpPr>
+        <p:spPr>
+          <a:xfrm>
+            <a:off x="3063240" y="5881409"/>
+            <a:ext cx="1226874" cy="369332"/>
+          </a:xfrm>
+          <a:prstGeom prst="rect">
+            <a:avLst/>
+          </a:prstGeom>
+          <a:noFill/>
+        </p:spPr>
+        <p:txBody>
+          <a:bodyPr wrap="none" rtlCol="0">
+            <a:spAutoFit/>
+          </a:bodyPr>
+          <a:lstStyle/>
+          <a:p>
+            <a:r>
+              <a:rPr lang="en-US"/>
+              <a:t>Replica =1</a:t>
+            </a:r>
+            <a:endParaRPr lang="es-ES"/>
+          </a:p>
+        </p:txBody>
+      </p:sp>
+    </p:spTree>
+    <p:extLst>
+      <p:ext uri="{BB962C8B-B14F-4D97-AF65-F5344CB8AC3E}">
+        <p14:creationId xmlns:p14="http://schemas.microsoft.com/office/powerpoint/2010/main" val="348793735"/>
+      </p:ext>
+    </p:extLst>
+  </p:cSld>
+  <p:clrMapOvr>
+    <a:masterClrMapping/>
+  </p:clrMapOvr>
+</p:sld>
+</file>
+
+<file path=ppt/slides/slide9.xml><?xml version="1.0" encoding="utf-8"?>
+<p:sld xmlns:a="http://schemas.openxmlformats.org/drawingml/2006/main" xmlns:r="http://schemas.openxmlformats.org/officeDocument/2006/relationships" xmlns:p="http://schemas.openxmlformats.org/presentationml/2006/main">
+  <p:cSld>
+    <p:spTree>
+      <p:nvGrpSpPr>
+        <p:cNvPr id="1" name=""/>
+        <p:cNvGrpSpPr/>
+        <p:nvPr/>
+      </p:nvGrpSpPr>
+      <p:grpSpPr>
+        <a:xfrm>
+          <a:off x="0" y="0"/>
+          <a:ext cx="0" cy="0"/>
+          <a:chOff x="0" y="0"/>
+          <a:chExt cx="0" cy="0"/>
+        </a:xfrm>
+      </p:grpSpPr>
+      <p:pic>
+        <p:nvPicPr>
+          <p:cNvPr id="5" name="Picture 4">
+            <a:extLst>
+              <a:ext uri="{FF2B5EF4-FFF2-40B4-BE49-F238E27FC236}">
+                <a16:creationId xmlns:a16="http://schemas.microsoft.com/office/drawing/2014/main" id="{08DF6228-7848-32A7-A757-63DABB9FCEE5}"/>
+              </a:ext>
+            </a:extLst>
+          </p:cNvPr>
+          <p:cNvPicPr>
+            <a:picLocks noChangeAspect="1"/>
+          </p:cNvPicPr>
+          <p:nvPr/>
+        </p:nvPicPr>
+        <p:blipFill>
+          <a:blip r:embed="rId2"/>
+          <a:stretch>
+            <a:fillRect/>
+          </a:stretch>
+        </p:blipFill>
+        <p:spPr>
+          <a:xfrm>
+            <a:off x="269305" y="877825"/>
+            <a:ext cx="6387527" cy="2225245"/>
+          </a:xfrm>
+          <a:prstGeom prst="rect">
+            <a:avLst/>
+          </a:prstGeom>
+        </p:spPr>
+      </p:pic>
+      <p:sp>
+        <p:nvSpPr>
+          <p:cNvPr id="6" name="Title 1">
+            <a:extLst>
+              <a:ext uri="{FF2B5EF4-FFF2-40B4-BE49-F238E27FC236}">
+                <a16:creationId xmlns:a16="http://schemas.microsoft.com/office/drawing/2014/main" id="{4B7F551F-D493-A3F2-5C11-D01010BB5CD5}"/>
+              </a:ext>
+            </a:extLst>
+          </p:cNvPr>
+          <p:cNvSpPr>
+            <a:spLocks noGrp="1"/>
+          </p:cNvSpPr>
+          <p:nvPr>
+            <p:ph type="title"/>
+          </p:nvPr>
+        </p:nvSpPr>
+        <p:spPr>
+          <a:xfrm>
+            <a:off x="179832" y="53465"/>
+            <a:ext cx="9375648" cy="824360"/>
+          </a:xfrm>
+        </p:spPr>
+        <p:txBody>
+          <a:bodyPr>
+            <a:normAutofit/>
+          </a:bodyPr>
+          <a:lstStyle/>
+          <a:p>
+            <a:r>
+              <a:rPr lang="es-ES" sz="3600"/>
+              <a:t>Access the container. Why we use services?</a:t>
+            </a:r>
+          </a:p>
+        </p:txBody>
+      </p:sp>
+      <p:pic>
+        <p:nvPicPr>
+          <p:cNvPr id="8" name="Picture 7">
+            <a:extLst>
+              <a:ext uri="{FF2B5EF4-FFF2-40B4-BE49-F238E27FC236}">
+                <a16:creationId xmlns:a16="http://schemas.microsoft.com/office/drawing/2014/main" id="{68917AF8-A2B0-ACD0-27F1-4006B33FA16A}"/>
+              </a:ext>
+            </a:extLst>
+          </p:cNvPr>
+          <p:cNvPicPr>
+            <a:picLocks noChangeAspect="1"/>
+          </p:cNvPicPr>
+          <p:nvPr/>
+        </p:nvPicPr>
+        <p:blipFill>
+          <a:blip r:embed="rId3"/>
+          <a:stretch>
+            <a:fillRect/>
+          </a:stretch>
+        </p:blipFill>
+        <p:spPr>
+          <a:xfrm>
+            <a:off x="6982525" y="1026671"/>
+            <a:ext cx="4037519" cy="354168"/>
+          </a:xfrm>
+          <a:prstGeom prst="rect">
+            <a:avLst/>
+          </a:prstGeom>
+        </p:spPr>
+      </p:pic>
+      <p:pic>
+        <p:nvPicPr>
+          <p:cNvPr id="10" name="Picture 9">
+            <a:extLst>
+              <a:ext uri="{FF2B5EF4-FFF2-40B4-BE49-F238E27FC236}">
+                <a16:creationId xmlns:a16="http://schemas.microsoft.com/office/drawing/2014/main" id="{3B91EEA2-3F99-CE86-E52B-C77A9111AD47}"/>
+              </a:ext>
+            </a:extLst>
+          </p:cNvPr>
+          <p:cNvPicPr>
+            <a:picLocks noChangeAspect="1"/>
+          </p:cNvPicPr>
+          <p:nvPr/>
+        </p:nvPicPr>
+        <p:blipFill>
+          <a:blip r:embed="rId4"/>
+          <a:stretch>
+            <a:fillRect/>
+          </a:stretch>
+        </p:blipFill>
+        <p:spPr>
+          <a:xfrm>
+            <a:off x="6746305" y="1744372"/>
+            <a:ext cx="5254037" cy="1684628"/>
+          </a:xfrm>
+          <a:prstGeom prst="rect">
+            <a:avLst/>
+          </a:prstGeom>
+        </p:spPr>
+      </p:pic>
+      <p:pic>
+        <p:nvPicPr>
+          <p:cNvPr id="12" name="Picture 11">
+            <a:extLst>
+              <a:ext uri="{FF2B5EF4-FFF2-40B4-BE49-F238E27FC236}">
+                <a16:creationId xmlns:a16="http://schemas.microsoft.com/office/drawing/2014/main" id="{53A7C938-A000-4D66-A36F-FB1640520475}"/>
+              </a:ext>
+            </a:extLst>
+          </p:cNvPr>
+          <p:cNvPicPr>
+            <a:picLocks noChangeAspect="1"/>
+          </p:cNvPicPr>
+          <p:nvPr/>
+        </p:nvPicPr>
+        <p:blipFill>
+          <a:blip r:embed="rId5"/>
+          <a:stretch>
+            <a:fillRect/>
+          </a:stretch>
+        </p:blipFill>
+        <p:spPr>
+          <a:xfrm>
+            <a:off x="603959" y="3927430"/>
+            <a:ext cx="9850225" cy="628738"/>
+          </a:xfrm>
+          <a:prstGeom prst="rect">
+            <a:avLst/>
+          </a:prstGeom>
+        </p:spPr>
+      </p:pic>
+      <p:sp>
+        <p:nvSpPr>
+          <p:cNvPr id="13" name="Rectangle 12">
+            <a:extLst>
+              <a:ext uri="{FF2B5EF4-FFF2-40B4-BE49-F238E27FC236}">
+                <a16:creationId xmlns:a16="http://schemas.microsoft.com/office/drawing/2014/main" id="{879093B0-B7F8-8D45-4D55-6B0CF610BED1}"/>
+              </a:ext>
+            </a:extLst>
+          </p:cNvPr>
+          <p:cNvSpPr/>
+          <p:nvPr/>
+        </p:nvSpPr>
+        <p:spPr>
+          <a:xfrm>
+            <a:off x="7918704" y="4133089"/>
+            <a:ext cx="1216152" cy="423080"/>
+          </a:xfrm>
+          <a:prstGeom prst="rect">
+            <a:avLst/>
+          </a:prstGeom>
+          <a:noFill/>
+          <a:ln>
+            <a:solidFill>
+              <a:srgbClr val="FF0000"/>
+            </a:solidFill>
+          </a:ln>
+        </p:spPr>
+        <p:style>
+          <a:lnRef idx="2">
+            <a:schemeClr val="accent1">
+              <a:shade val="15000"/>
+            </a:schemeClr>
+          </a:lnRef>
+          <a:fillRef idx="1">
+            <a:schemeClr val="accent1"/>
+          </a:fillRef>
+          <a:effectRef idx="0">
+            <a:schemeClr val="accent1"/>
+          </a:effectRef>
+          <a:fontRef idx="minor">
+            <a:schemeClr val="lt1"/>
+          </a:fontRef>
+        </p:style>
+        <p:txBody>
+          <a:bodyPr rtlCol="0" anchor="ctr"/>
+          <a:lstStyle/>
+          <a:p>
+            <a:pPr algn="ctr"/>
+            <a:endParaRPr lang="es-ES"/>
+          </a:p>
+        </p:txBody>
+      </p:sp>
+      <p:sp>
+        <p:nvSpPr>
+          <p:cNvPr id="14" name="TextBox 13">
+            <a:extLst>
+              <a:ext uri="{FF2B5EF4-FFF2-40B4-BE49-F238E27FC236}">
+                <a16:creationId xmlns:a16="http://schemas.microsoft.com/office/drawing/2014/main" id="{F3A87F69-0F1D-9010-D556-1A113DA68EFB}"/>
+              </a:ext>
+            </a:extLst>
+          </p:cNvPr>
+          <p:cNvSpPr txBox="1"/>
+          <p:nvPr/>
+        </p:nvSpPr>
+        <p:spPr>
+          <a:xfrm>
+            <a:off x="7791187" y="4727707"/>
+            <a:ext cx="2431805" cy="1200329"/>
+          </a:xfrm>
+          <a:prstGeom prst="rect">
+            <a:avLst/>
+          </a:prstGeom>
+          <a:noFill/>
+        </p:spPr>
+        <p:txBody>
+          <a:bodyPr wrap="square" rtlCol="0">
+            <a:spAutoFit/>
+          </a:bodyPr>
+          <a:lstStyle/>
+          <a:p>
+            <a:pPr algn="just"/>
+            <a:r>
+              <a:rPr lang="es-ES" sz="1200" b="1"/>
+              <a:t>Random IP address internal to our VM. Assigned to the pod. It can change when the pod is recreated</a:t>
+            </a:r>
+            <a:br>
+              <a:rPr lang="es-ES" sz="1200" b="1"/>
+            </a:br>
+            <a:r>
+              <a:rPr lang="es-ES" sz="1200" b="1">
+                <a:solidFill>
+                  <a:srgbClr val="FF0000"/>
+                </a:solidFill>
+              </a:rPr>
+              <a:t>This is why we need Service Objects</a:t>
+            </a:r>
+            <a:endParaRPr lang="es-ES">
+              <a:solidFill>
+                <a:srgbClr val="FF0000"/>
+              </a:solidFill>
+            </a:endParaRPr>
+          </a:p>
+        </p:txBody>
+      </p:sp>
+      <p:cxnSp>
+        <p:nvCxnSpPr>
+          <p:cNvPr id="16" name="Straight Arrow Connector 15">
+            <a:extLst>
+              <a:ext uri="{FF2B5EF4-FFF2-40B4-BE49-F238E27FC236}">
+                <a16:creationId xmlns:a16="http://schemas.microsoft.com/office/drawing/2014/main" id="{A54BA397-46E4-9215-C4E7-C5A3C1B256BF}"/>
+              </a:ext>
+            </a:extLst>
+          </p:cNvPr>
+          <p:cNvCxnSpPr>
+            <a:cxnSpLocks/>
+            <a:endCxn id="14" idx="1"/>
+          </p:cNvCxnSpPr>
+          <p:nvPr/>
+        </p:nvCxnSpPr>
+        <p:spPr>
+          <a:xfrm>
+            <a:off x="5660136" y="2586686"/>
+            <a:ext cx="2131051" cy="2741186"/>
+          </a:xfrm>
+          <a:prstGeom prst="straightConnector1">
+            <a:avLst/>
+          </a:prstGeom>
+          <a:ln>
+            <a:tailEnd type="triangle"/>
+          </a:ln>
+        </p:spPr>
+        <p:style>
+          <a:lnRef idx="2">
+            <a:schemeClr val="accent1"/>
+          </a:lnRef>
+          <a:fillRef idx="0">
+            <a:schemeClr val="accent1"/>
+          </a:fillRef>
+          <a:effectRef idx="1">
+            <a:schemeClr val="accent1"/>
+          </a:effectRef>
+          <a:fontRef idx="minor">
+            <a:schemeClr val="tx1"/>
+          </a:fontRef>
+        </p:style>
+      </p:cxnSp>
+      <p:pic>
+        <p:nvPicPr>
+          <p:cNvPr id="20" name="Picture 19">
+            <a:extLst>
+              <a:ext uri="{FF2B5EF4-FFF2-40B4-BE49-F238E27FC236}">
+                <a16:creationId xmlns:a16="http://schemas.microsoft.com/office/drawing/2014/main" id="{80B09CAC-52C9-1229-3C88-A41AE945CB37}"/>
+              </a:ext>
+            </a:extLst>
+          </p:cNvPr>
+          <p:cNvPicPr>
+            <a:picLocks noChangeAspect="1"/>
+          </p:cNvPicPr>
+          <p:nvPr/>
+        </p:nvPicPr>
+        <p:blipFill>
+          <a:blip r:embed="rId6"/>
+          <a:stretch>
+            <a:fillRect/>
+          </a:stretch>
+        </p:blipFill>
+        <p:spPr>
+          <a:xfrm>
+            <a:off x="4648890" y="4954671"/>
+            <a:ext cx="1535602" cy="1849864"/>
+          </a:xfrm>
+          <a:prstGeom prst="rect">
+            <a:avLst/>
+          </a:prstGeom>
+        </p:spPr>
+      </p:pic>
+      <p:sp>
+        <p:nvSpPr>
+          <p:cNvPr id="21" name="Rectangle 20">
+            <a:extLst>
+              <a:ext uri="{FF2B5EF4-FFF2-40B4-BE49-F238E27FC236}">
+                <a16:creationId xmlns:a16="http://schemas.microsoft.com/office/drawing/2014/main" id="{485B72B9-FD62-F4B4-9292-E48D02409896}"/>
+              </a:ext>
+            </a:extLst>
+          </p:cNvPr>
+          <p:cNvSpPr/>
+          <p:nvPr/>
+        </p:nvSpPr>
+        <p:spPr>
+          <a:xfrm>
+            <a:off x="4742688" y="6455664"/>
+            <a:ext cx="1091184" cy="348871"/>
+          </a:xfrm>
+          <a:prstGeom prst="rect">
+            <a:avLst/>
+          </a:prstGeom>
+          <a:noFill/>
+          <a:ln>
+            <a:solidFill>
+              <a:srgbClr val="FF0000"/>
+            </a:solidFill>
+          </a:ln>
+        </p:spPr>
+        <p:style>
+          <a:lnRef idx="2">
+            <a:schemeClr val="accent1">
+              <a:shade val="15000"/>
+            </a:schemeClr>
+          </a:lnRef>
+          <a:fillRef idx="1">
+            <a:schemeClr val="accent1"/>
+          </a:fillRef>
+          <a:effectRef idx="0">
+            <a:schemeClr val="accent1"/>
+          </a:effectRef>
+          <a:fontRef idx="minor">
+            <a:schemeClr val="lt1"/>
+          </a:fontRef>
+        </p:style>
+        <p:txBody>
+          <a:bodyPr rtlCol="0" anchor="ctr"/>
+          <a:lstStyle/>
+          <a:p>
+            <a:pPr algn="ctr"/>
+            <a:endParaRPr lang="es-ES"/>
+          </a:p>
+        </p:txBody>
+      </p:sp>
+      <p:cxnSp>
+        <p:nvCxnSpPr>
+          <p:cNvPr id="22" name="Straight Arrow Connector 21">
+            <a:extLst>
+              <a:ext uri="{FF2B5EF4-FFF2-40B4-BE49-F238E27FC236}">
+                <a16:creationId xmlns:a16="http://schemas.microsoft.com/office/drawing/2014/main" id="{3577C31F-F0F5-15F0-CC5B-86616B1106E0}"/>
+              </a:ext>
+            </a:extLst>
+          </p:cNvPr>
+          <p:cNvCxnSpPr>
+            <a:cxnSpLocks/>
+          </p:cNvCxnSpPr>
+          <p:nvPr/>
+        </p:nvCxnSpPr>
+        <p:spPr>
+          <a:xfrm>
+            <a:off x="5833872" y="6630099"/>
+            <a:ext cx="1148653" cy="0"/>
+          </a:xfrm>
+          <a:prstGeom prst="straightConnector1">
+            <a:avLst/>
+          </a:prstGeom>
+          <a:ln>
+            <a:tailEnd type="triangle"/>
+          </a:ln>
+        </p:spPr>
+        <p:style>
+          <a:lnRef idx="2">
+            <a:schemeClr val="accent1"/>
+          </a:lnRef>
+          <a:fillRef idx="0">
+            <a:schemeClr val="accent1"/>
+          </a:fillRef>
+          <a:effectRef idx="1">
+            <a:schemeClr val="accent1"/>
+          </a:effectRef>
+          <a:fontRef idx="minor">
+            <a:schemeClr val="tx1"/>
+          </a:fontRef>
+        </p:style>
+      </p:cxnSp>
+      <p:sp>
+        <p:nvSpPr>
+          <p:cNvPr id="25" name="TextBox 24">
+            <a:extLst>
+              <a:ext uri="{FF2B5EF4-FFF2-40B4-BE49-F238E27FC236}">
+                <a16:creationId xmlns:a16="http://schemas.microsoft.com/office/drawing/2014/main" id="{FB3BD0F3-2018-D6E4-3074-DD0454F1D971}"/>
+              </a:ext>
+            </a:extLst>
+          </p:cNvPr>
+          <p:cNvSpPr txBox="1"/>
+          <p:nvPr/>
+        </p:nvSpPr>
+        <p:spPr>
+          <a:xfrm>
+            <a:off x="7086600" y="6472672"/>
+            <a:ext cx="3101939" cy="276999"/>
+          </a:xfrm>
+          <a:prstGeom prst="rect">
+            <a:avLst/>
+          </a:prstGeom>
+          <a:noFill/>
+        </p:spPr>
+        <p:txBody>
+          <a:bodyPr wrap="none" rtlCol="0">
+            <a:spAutoFit/>
+          </a:bodyPr>
+          <a:lstStyle/>
+          <a:p>
+            <a:r>
+              <a:rPr lang="en-US" sz="1200"/>
+              <a:t>To route traffic to the pods with that selector</a:t>
+            </a:r>
+            <a:endParaRPr lang="es-ES" sz="1200"/>
+          </a:p>
+        </p:txBody>
+      </p:sp>
+    </p:spTree>
+    <p:extLst>
+      <p:ext uri="{BB962C8B-B14F-4D97-AF65-F5344CB8AC3E}">
+        <p14:creationId xmlns:p14="http://schemas.microsoft.com/office/powerpoint/2010/main" val="3187165911"/>
       </p:ext>
     </p:extLst>
   </p:cSld>
